--- a/doc/Final Project Presentation.pptx
+++ b/doc/Final Project Presentation.pptx
@@ -6588,29 +6588,6 @@
           </a:p>
         </p:txBody>
       </p:sp>
-      <p:sp>
-        <p:nvSpPr>
-          <p:cNvPr id="3" name="Text Placeholder 2"/>
-          <p:cNvSpPr>
-            <a:spLocks noGrp="1"/>
-          </p:cNvSpPr>
-          <p:nvPr>
-            <p:ph type="body" sz="quarter" idx="11"/>
-          </p:nvPr>
-        </p:nvSpPr>
-        <p:spPr/>
-        <p:txBody>
-          <a:bodyPr/>
-          <a:lstStyle/>
-          <a:p>
-            <a:pPr lvl="0"/>
-            <a:r>
-              <a:rPr lang="en-US" altLang="ko-KR" dirty="0"/>
-              <a:t>Insert the title of your subtitle Here</a:t>
-            </a:r>
-          </a:p>
-        </p:txBody>
-      </p:sp>
     </p:spTree>
     <p:extLst>
       <p:ext uri="{BB962C8B-B14F-4D97-AF65-F5344CB8AC3E}">
